--- a/intro/intro to programing.pptx
+++ b/intro/intro to programing.pptx
@@ -119,6 +119,11 @@
       </a:defRPr>
     </a:lvl9pPr>
   </p:defaultTextStyle>
+  <p:extLst>
+    <p:ext uri="{EFAFB233-063F-42B5-8137-9DF3F51BA10A}">
+      <p15:sldGuideLst xmlns:p15="http://schemas.microsoft.com/office/powerpoint/2012/main"/>
+    </p:ext>
+  </p:extLst>
 </p:presentation>
 </file>
 
@@ -308,7 +313,7 @@
           <a:p>
             <a:fld id="{EAAFCA12-076F-430A-B6AB-04A21D730C37}" type="datetimeFigureOut">
               <a:rPr lang="he-IL" smtClean="0"/>
-              <a:t>ח'/טבת/תשע"ט</a:t>
+              <a:t>י"ב.תשרי.תשפ"א</a:t>
             </a:fld>
             <a:endParaRPr lang="he-IL"/>
           </a:p>
@@ -583,7 +588,7 @@
           <a:p>
             <a:fld id="{EAAFCA12-076F-430A-B6AB-04A21D730C37}" type="datetimeFigureOut">
               <a:rPr lang="he-IL" smtClean="0"/>
-              <a:t>ח'/טבת/תשע"ט</a:t>
+              <a:t>י"ב.תשרי.תשפ"א</a:t>
             </a:fld>
             <a:endParaRPr lang="he-IL"/>
           </a:p>
@@ -777,7 +782,7 @@
           <a:p>
             <a:fld id="{EAAFCA12-076F-430A-B6AB-04A21D730C37}" type="datetimeFigureOut">
               <a:rPr lang="he-IL" smtClean="0"/>
-              <a:t>ח'/טבת/תשע"ט</a:t>
+              <a:t>י"ב.תשרי.תשפ"א</a:t>
             </a:fld>
             <a:endParaRPr lang="he-IL"/>
           </a:p>
@@ -1048,7 +1053,7 @@
           <a:p>
             <a:fld id="{EAAFCA12-076F-430A-B6AB-04A21D730C37}" type="datetimeFigureOut">
               <a:rPr lang="he-IL" smtClean="0"/>
-              <a:t>ח'/טבת/תשע"ט</a:t>
+              <a:t>י"ב.תשרי.תשפ"א</a:t>
             </a:fld>
             <a:endParaRPr lang="he-IL"/>
           </a:p>
@@ -1375,7 +1380,7 @@
           <a:p>
             <a:fld id="{EAAFCA12-076F-430A-B6AB-04A21D730C37}" type="datetimeFigureOut">
               <a:rPr lang="he-IL" smtClean="0"/>
-              <a:t>ח'/טבת/תשע"ט</a:t>
+              <a:t>י"ב.תשרי.תשפ"א</a:t>
             </a:fld>
             <a:endParaRPr lang="he-IL"/>
           </a:p>
@@ -1994,7 +1999,7 @@
           <a:p>
             <a:fld id="{EAAFCA12-076F-430A-B6AB-04A21D730C37}" type="datetimeFigureOut">
               <a:rPr lang="he-IL" smtClean="0"/>
-              <a:t>ח'/טבת/תשע"ט</a:t>
+              <a:t>י"ב.תשרי.תשפ"א</a:t>
             </a:fld>
             <a:endParaRPr lang="he-IL"/>
           </a:p>
@@ -2841,7 +2846,7 @@
           <a:p>
             <a:fld id="{EAAFCA12-076F-430A-B6AB-04A21D730C37}" type="datetimeFigureOut">
               <a:rPr lang="he-IL" smtClean="0"/>
-              <a:t>ח'/טבת/תשע"ט</a:t>
+              <a:t>י"ב.תשרי.תשפ"א</a:t>
             </a:fld>
             <a:endParaRPr lang="he-IL"/>
           </a:p>
@@ -3011,7 +3016,7 @@
           <a:p>
             <a:fld id="{EAAFCA12-076F-430A-B6AB-04A21D730C37}" type="datetimeFigureOut">
               <a:rPr lang="he-IL" smtClean="0"/>
-              <a:t>ח'/טבת/תשע"ט</a:t>
+              <a:t>י"ב.תשרי.תשפ"א</a:t>
             </a:fld>
             <a:endParaRPr lang="he-IL"/>
           </a:p>
@@ -3191,7 +3196,7 @@
           <a:p>
             <a:fld id="{EAAFCA12-076F-430A-B6AB-04A21D730C37}" type="datetimeFigureOut">
               <a:rPr lang="he-IL" smtClean="0"/>
-              <a:t>ח'/טבת/תשע"ט</a:t>
+              <a:t>י"ב.תשרי.תשפ"א</a:t>
             </a:fld>
             <a:endParaRPr lang="he-IL"/>
           </a:p>
@@ -3361,7 +3366,7 @@
           <a:p>
             <a:fld id="{EAAFCA12-076F-430A-B6AB-04A21D730C37}" type="datetimeFigureOut">
               <a:rPr lang="he-IL" smtClean="0"/>
-              <a:t>ח'/טבת/תשע"ט</a:t>
+              <a:t>י"ב.תשרי.תשפ"א</a:t>
             </a:fld>
             <a:endParaRPr lang="he-IL"/>
           </a:p>
@@ -3608,7 +3613,7 @@
           <a:p>
             <a:fld id="{EAAFCA12-076F-430A-B6AB-04A21D730C37}" type="datetimeFigureOut">
               <a:rPr lang="he-IL" smtClean="0"/>
-              <a:t>ח'/טבת/תשע"ט</a:t>
+              <a:t>י"ב.תשרי.תשפ"א</a:t>
             </a:fld>
             <a:endParaRPr lang="he-IL"/>
           </a:p>
@@ -3900,7 +3905,7 @@
           <a:p>
             <a:fld id="{EAAFCA12-076F-430A-B6AB-04A21D730C37}" type="datetimeFigureOut">
               <a:rPr lang="he-IL" smtClean="0"/>
-              <a:t>ח'/טבת/תשע"ט</a:t>
+              <a:t>י"ב.תשרי.תשפ"א</a:t>
             </a:fld>
             <a:endParaRPr lang="he-IL"/>
           </a:p>
@@ -4344,7 +4349,7 @@
           <a:p>
             <a:fld id="{EAAFCA12-076F-430A-B6AB-04A21D730C37}" type="datetimeFigureOut">
               <a:rPr lang="he-IL" smtClean="0"/>
-              <a:t>ח'/טבת/תשע"ט</a:t>
+              <a:t>י"ב.תשרי.תשפ"א</a:t>
             </a:fld>
             <a:endParaRPr lang="he-IL"/>
           </a:p>
@@ -4462,7 +4467,7 @@
           <a:p>
             <a:fld id="{EAAFCA12-076F-430A-B6AB-04A21D730C37}" type="datetimeFigureOut">
               <a:rPr lang="he-IL" smtClean="0"/>
-              <a:t>ח'/טבת/תשע"ט</a:t>
+              <a:t>י"ב.תשרי.תשפ"א</a:t>
             </a:fld>
             <a:endParaRPr lang="he-IL"/>
           </a:p>
@@ -4557,7 +4562,7 @@
           <a:p>
             <a:fld id="{EAAFCA12-076F-430A-B6AB-04A21D730C37}" type="datetimeFigureOut">
               <a:rPr lang="he-IL" smtClean="0"/>
-              <a:t>ח'/טבת/תשע"ט</a:t>
+              <a:t>י"ב.תשרי.תשפ"א</a:t>
             </a:fld>
             <a:endParaRPr lang="he-IL"/>
           </a:p>
@@ -4836,7 +4841,7 @@
           <a:p>
             <a:fld id="{EAAFCA12-076F-430A-B6AB-04A21D730C37}" type="datetimeFigureOut">
               <a:rPr lang="he-IL" smtClean="0"/>
-              <a:t>ח'/טבת/תשע"ט</a:t>
+              <a:t>י"ב.תשרי.תשפ"א</a:t>
             </a:fld>
             <a:endParaRPr lang="he-IL"/>
           </a:p>
@@ -5111,7 +5116,7 @@
           <a:p>
             <a:fld id="{EAAFCA12-076F-430A-B6AB-04A21D730C37}" type="datetimeFigureOut">
               <a:rPr lang="he-IL" smtClean="0"/>
-              <a:t>ח'/טבת/תשע"ט</a:t>
+              <a:t>י"ב.תשרי.תשפ"א</a:t>
             </a:fld>
             <a:endParaRPr lang="he-IL"/>
           </a:p>
@@ -5534,7 +5539,7 @@
           <a:p>
             <a:fld id="{EAAFCA12-076F-430A-B6AB-04A21D730C37}" type="datetimeFigureOut">
               <a:rPr lang="he-IL" smtClean="0"/>
-              <a:t>ח'/טבת/תשע"ט</a:t>
+              <a:t>י"ב.תשרי.תשפ"א</a:t>
             </a:fld>
             <a:endParaRPr lang="he-IL"/>
           </a:p>
@@ -11712,7 +11717,6 @@
                 <a:lumMod val="142000"/>
               </a:schemeClr>
             </a:duotone>
-            <a:extLst/>
           </a:blip>
           <a:stretch/>
         </a:blipFill>
@@ -12772,7 +12776,6 @@
                 <a:lumMod val="142000"/>
               </a:schemeClr>
             </a:duotone>
-            <a:extLst/>
           </a:blip>
           <a:stretch/>
         </a:blipFill>
@@ -14503,6 +14506,23 @@
           <a:bodyPr/>
           <a:lstStyle/>
           <a:p>
+            <a:pPr marL="342900" indent="-342900" algn="l" defTabSz="457200" rtl="0" eaLnBrk="1" latinLnBrk="0" hangingPunct="1">
+              <a:spcBef>
+                <a:spcPts val="1000"/>
+              </a:spcBef>
+              <a:spcAft>
+                <a:spcPts val="0"/>
+              </a:spcAft>
+              <a:buClr>
+                <a:schemeClr val="accent1">
+                  <a:lumMod val="60000"/>
+                  <a:lumOff val="40000"/>
+                </a:schemeClr>
+              </a:buClr>
+              <a:buSzPct val="80000"/>
+              <a:buFont typeface="Wingdings 3" charset="2"/>
+              <a:buChar char=""/>
+            </a:pPr>
             <a:endParaRPr lang="he-IL" dirty="0"/>
           </a:p>
         </p:txBody>
@@ -14551,8 +14571,12 @@
           <a:p>
             <a:pPr algn="ctr"/>
             <a:r>
+              <a:rPr lang="en-US" dirty="0"/>
+              <a:t>CPU</a:t>
+            </a:r>
+            <a:r>
               <a:rPr lang="he-IL" dirty="0"/>
-              <a:t>מעבד: </a:t>
+              <a:t>: </a:t>
             </a:r>
           </a:p>
         </p:txBody>
@@ -14653,9 +14677,10 @@
           <a:p>
             <a:pPr algn="ctr"/>
             <a:r>
-              <a:rPr lang="he-IL" dirty="0"/>
-              <a:t>אמצעי פלט שונים (מסך, מדפסת, רמקולים ועוד)</a:t>
-            </a:r>
+              <a:rPr lang="en-US" dirty="0"/>
+              <a:t>Output devices like printer</a:t>
+            </a:r>
+            <a:endParaRPr lang="he-IL" dirty="0"/>
           </a:p>
         </p:txBody>
       </p:sp>
@@ -14751,9 +14776,10 @@
           <a:p>
             <a:pPr algn="ctr"/>
             <a:r>
-              <a:rPr lang="he-IL" dirty="0"/>
-              <a:t>דיסק קשיח</a:t>
-            </a:r>
+              <a:rPr lang="en-US" dirty="0"/>
+              <a:t>Har disk</a:t>
+            </a:r>
+            <a:endParaRPr lang="he-IL" dirty="0"/>
           </a:p>
         </p:txBody>
       </p:sp>
@@ -15023,9 +15049,10 @@
           <a:p>
             <a:pPr algn="ctr"/>
             <a:r>
-              <a:rPr lang="he-IL" dirty="0"/>
-              <a:t>רשת</a:t>
-            </a:r>
+              <a:rPr lang="en-US" dirty="0"/>
+              <a:t>Network</a:t>
+            </a:r>
+            <a:endParaRPr lang="he-IL" dirty="0"/>
           </a:p>
           <a:p>
             <a:pPr algn="ctr"/>
